--- a/MSIS2433-OOP/Slides/Lab 0. Introduction.pptx
+++ b/MSIS2433-OOP/Slides/Lab 0. Introduction.pptx
@@ -201,7 +201,7 @@
           <a:p>
             <a:fld id="{4455D742-84C4-4986-A84B-DC3E04175793}" type="datetimeFigureOut">
               <a:rPr lang="vi-VN" smtClean="0"/>
-              <a:t>21/09/2022</a:t>
+              <a:t>22/09/2022</a:t>
             </a:fld>
             <a:endParaRPr lang="vi-VN"/>
           </a:p>
@@ -597,7 +597,7 @@
           <a:p>
             <a:fld id="{837324BC-BCC2-4BAD-A06B-AAD059CC69DE}" type="datetime1">
               <a:rPr lang="en-US" smtClean="0"/>
-              <a:t>9/21/2022</a:t>
+              <a:t>9/22/2022</a:t>
             </a:fld>
             <a:endParaRPr lang="en-US"/>
           </a:p>
@@ -765,7 +765,7 @@
           <a:p>
             <a:fld id="{D81594A2-C23B-45FC-A4C9-E8DD448DD7B8}" type="datetime1">
               <a:rPr lang="en-US" smtClean="0"/>
-              <a:t>9/21/2022</a:t>
+              <a:t>9/22/2022</a:t>
             </a:fld>
             <a:endParaRPr lang="en-US"/>
           </a:p>
@@ -943,7 +943,7 @@
           <a:p>
             <a:fld id="{6144CD16-D323-46F5-95E5-AFA80E4E6C4D}" type="datetime1">
               <a:rPr lang="en-US" smtClean="0"/>
-              <a:t>9/21/2022</a:t>
+              <a:t>9/22/2022</a:t>
             </a:fld>
             <a:endParaRPr lang="en-US"/>
           </a:p>
@@ -1111,7 +1111,7 @@
           <a:p>
             <a:fld id="{7A16F03A-F89A-41E0-8A0F-867B43C91033}" type="datetime1">
               <a:rPr lang="en-US" smtClean="0"/>
-              <a:t>9/21/2022</a:t>
+              <a:t>9/22/2022</a:t>
             </a:fld>
             <a:endParaRPr lang="en-US"/>
           </a:p>
@@ -1356,7 +1356,7 @@
           <a:p>
             <a:fld id="{D4087027-130F-47B2-A872-AE2A2F443AEB}" type="datetime1">
               <a:rPr lang="en-US" smtClean="0"/>
-              <a:t>9/21/2022</a:t>
+              <a:t>9/22/2022</a:t>
             </a:fld>
             <a:endParaRPr lang="en-US"/>
           </a:p>
@@ -1585,7 +1585,7 @@
           <a:p>
             <a:fld id="{69059E1C-453D-4B97-A122-1BBC1BD3C80F}" type="datetime1">
               <a:rPr lang="en-US" smtClean="0"/>
-              <a:t>9/21/2022</a:t>
+              <a:t>9/22/2022</a:t>
             </a:fld>
             <a:endParaRPr lang="en-US"/>
           </a:p>
@@ -1949,7 +1949,7 @@
           <a:p>
             <a:fld id="{1BFCF4C4-F4C1-456E-80F7-B84FD9C9A251}" type="datetime1">
               <a:rPr lang="en-US" smtClean="0"/>
-              <a:t>9/21/2022</a:t>
+              <a:t>9/22/2022</a:t>
             </a:fld>
             <a:endParaRPr lang="en-US"/>
           </a:p>
@@ -2066,7 +2066,7 @@
           <a:p>
             <a:fld id="{BA8E2057-8843-40FC-89F4-BCAB84D62AE4}" type="datetime1">
               <a:rPr lang="en-US" smtClean="0"/>
-              <a:t>9/21/2022</a:t>
+              <a:t>9/22/2022</a:t>
             </a:fld>
             <a:endParaRPr lang="en-US"/>
           </a:p>
@@ -2161,7 +2161,7 @@
           <a:p>
             <a:fld id="{087DBD45-D533-438B-AF3B-44AC7A16A9EB}" type="datetime1">
               <a:rPr lang="en-US" smtClean="0"/>
-              <a:t>9/21/2022</a:t>
+              <a:t>9/22/2022</a:t>
             </a:fld>
             <a:endParaRPr lang="en-US"/>
           </a:p>
@@ -2436,7 +2436,7 @@
           <a:p>
             <a:fld id="{0D83E530-2BF5-4B8E-9F51-B07667E1021A}" type="datetime1">
               <a:rPr lang="en-US" smtClean="0"/>
-              <a:t>9/21/2022</a:t>
+              <a:t>9/22/2022</a:t>
             </a:fld>
             <a:endParaRPr lang="en-US"/>
           </a:p>
@@ -2688,7 +2688,7 @@
           <a:p>
             <a:fld id="{4F50772C-2FA7-4C75-BDD4-D2F8B54F9662}" type="datetime1">
               <a:rPr lang="en-US" smtClean="0"/>
-              <a:t>9/21/2022</a:t>
+              <a:t>9/22/2022</a:t>
             </a:fld>
             <a:endParaRPr lang="en-US"/>
           </a:p>
@@ -2899,7 +2899,7 @@
           <a:p>
             <a:fld id="{E85DDE86-662E-4F31-A7F9-80320A031D92}" type="datetime1">
               <a:rPr lang="en-US" smtClean="0"/>
-              <a:t>9/21/2022</a:t>
+              <a:t>9/22/2022</a:t>
             </a:fld>
             <a:endParaRPr lang="en-US"/>
           </a:p>
@@ -3792,7 +3792,7 @@
             <p:ph idx="1"/>
             <p:extLst>
               <p:ext uri="{D42A27DB-BD31-4B8C-83A1-F6EECF244321}">
-                <p14:modId xmlns:p14="http://schemas.microsoft.com/office/powerpoint/2010/main" val="1064510854"/>
+                <p14:modId xmlns:p14="http://schemas.microsoft.com/office/powerpoint/2010/main" val="4065845977"/>
               </p:ext>
             </p:extLst>
           </p:nvPr>
